--- a/document/5. RQ FP.pptx
+++ b/document/5. RQ FP.pptx
@@ -286,7 +286,7 @@
       <p15:sldGuideLst xmlns:p15="http://schemas.microsoft.com/office/powerpoint/2012/main"/>
     </p:ext>
     <p:ext uri="GoogleSlidesCustomDataVersion2">
-      <go:slidesCustomData xmlns="" xmlns:mc="http://schemas.openxmlformats.org/markup-compatibility/2006" xmlns:mv="urn:schemas-microsoft-com:mac:vml" xmlns:c="http://schemas.openxmlformats.org/drawingml/2006/chart" xmlns:dgm="http://schemas.openxmlformats.org/drawingml/2006/diagram" xmlns:o="urn:schemas-microsoft-com:office:office" xmlns:v="urn:schemas-microsoft-com:vml" xmlns:pvml="urn:schemas-microsoft-com:office:powerpoint" xmlns:com="http://schemas.openxmlformats.org/drawingml/2006/compatibility" xmlns:p14="http://schemas.microsoft.com/office/powerpoint/2010/main" xmlns:p15="http://schemas.microsoft.com/office/powerpoint/2012/main" xmlns:ahyp="http://schemas.microsoft.com/office/drawing/2018/hyperlinkcolor" xmlns:go="http://customooxmlschemas.google.com/" r:id="rId36" roundtripDataSignature="AMtx7mgq9e6PIVRfIc1y/knCHvjwhw8CQw=="/>
+      <go:slidesCustomData xmlns:go="http://customooxmlschemas.google.com/" xmlns:ahyp="http://schemas.microsoft.com/office/drawing/2018/hyperlinkcolor" xmlns:p15="http://schemas.microsoft.com/office/powerpoint/2012/main" xmlns:p14="http://schemas.microsoft.com/office/powerpoint/2010/main" xmlns:com="http://schemas.openxmlformats.org/drawingml/2006/compatibility" xmlns:pvml="urn:schemas-microsoft-com:office:powerpoint" xmlns:v="urn:schemas-microsoft-com:vml" xmlns:o="urn:schemas-microsoft-com:office:office" xmlns:dgm="http://schemas.openxmlformats.org/drawingml/2006/diagram" xmlns:c="http://schemas.openxmlformats.org/drawingml/2006/chart" xmlns:mv="urn:schemas-microsoft-com:mac:vml" xmlns:mc="http://schemas.openxmlformats.org/markup-compatibility/2006" xmlns="" r:id="rId36" roundtripDataSignature="AMtx7mgq9e6PIVRfIc1y/knCHvjwhw8CQw=="/>
     </p:ext>
   </p:extLst>
 </p:presentation>
@@ -15515,13 +15515,13 @@
   <p:clrMapOvr>
     <a:masterClrMapping/>
   </p:clrMapOvr>
-  <mc:AlternateContent xmlns:mc="http://schemas.openxmlformats.org/markup-compatibility/2006">
-    <mc:Choice xmlns:p159="http://schemas.microsoft.com/office/powerpoint/2015/09/main" Requires="p159">
+  <mc:AlternateContent xmlns:mc="http://schemas.openxmlformats.org/markup-compatibility/2006" xmlns:p159="http://schemas.microsoft.com/office/powerpoint/2015/09/main">
+    <mc:Choice Requires="p159">
       <p:transition>
         <p159:morph option="byObject"/>
       </p:transition>
     </mc:Choice>
-    <mc:Fallback>
+    <mc:Fallback xmlns="">
       <p:transition>
         <p:fade/>
       </p:transition>
@@ -16930,13 +16930,13 @@
   <p:clrMapOvr>
     <a:masterClrMapping/>
   </p:clrMapOvr>
-  <mc:AlternateContent xmlns:mc="http://schemas.openxmlformats.org/markup-compatibility/2006">
-    <mc:Choice xmlns:p159="http://schemas.microsoft.com/office/powerpoint/2015/09/main" Requires="p159">
+  <mc:AlternateContent xmlns:mc="http://schemas.openxmlformats.org/markup-compatibility/2006" xmlns:p159="http://schemas.microsoft.com/office/powerpoint/2015/09/main">
+    <mc:Choice Requires="p159">
       <p:transition>
         <p159:morph option="byObject"/>
       </p:transition>
     </mc:Choice>
-    <mc:Fallback>
+    <mc:Fallback xmlns="">
       <p:transition>
         <p:fade/>
       </p:transition>
@@ -17181,13 +17181,13 @@
   <p:clrMapOvr>
     <a:masterClrMapping/>
   </p:clrMapOvr>
-  <mc:AlternateContent xmlns:mc="http://schemas.openxmlformats.org/markup-compatibility/2006">
-    <mc:Choice xmlns:p159="http://schemas.microsoft.com/office/powerpoint/2015/09/main" Requires="p159">
+  <mc:AlternateContent xmlns:mc="http://schemas.openxmlformats.org/markup-compatibility/2006" xmlns:p159="http://schemas.microsoft.com/office/powerpoint/2015/09/main">
+    <mc:Choice Requires="p159">
       <p:transition>
         <p159:morph option="byObject"/>
       </p:transition>
     </mc:Choice>
-    <mc:Fallback>
+    <mc:Fallback xmlns="">
       <p:transition>
         <p:fade/>
       </p:transition>
@@ -18534,7 +18534,7 @@
         <p:spPr>
           <a:xfrm>
             <a:off x="1518249" y="2369075"/>
-            <a:ext cx="8452359" cy="738664"/>
+            <a:ext cx="8452359" cy="1046440"/>
           </a:xfrm>
           <a:prstGeom prst="rect">
             <a:avLst/>
@@ -18826,58 +18826,74 @@
             <a:r>
               <a:rPr lang="en-US" sz="1800" b="1" i="1" dirty="0">
                 <a:solidFill>
-                  <a:schemeClr val="tx1"/>
+                  <a:srgbClr val="FF0000"/>
                 </a:solidFill>
                 <a:effectLst/>
                 <a:latin typeface="Roboto" panose="02000000000000000000" pitchFamily="2" charset="0"/>
                 <a:ea typeface="Roboto" panose="02000000000000000000" pitchFamily="2" charset="0"/>
                 <a:cs typeface="Roboto" panose="02000000000000000000" pitchFamily="2" charset="0"/>
               </a:rPr>
-              <a:t>Enjoyment, </a:t>
-            </a:r>
-            <a:r>
-              <a:rPr lang="en-US" sz="1800" b="1" i="1" dirty="0">
-                <a:solidFill>
-                  <a:srgbClr val="000000"/>
+              <a:t>Enjoyment, Competence</a:t>
+            </a:r>
+            <a:r>
+              <a:rPr lang="en-US" sz="2400" i="1">
+                <a:solidFill>
+                  <a:srgbClr val="FF0000"/>
+                </a:solidFill>
+                <a:latin typeface="Roboto" panose="02000000000000000000" pitchFamily="2" charset="0"/>
+                <a:ea typeface="Roboto" panose="02000000000000000000" pitchFamily="2" charset="0"/>
+                <a:cs typeface="Roboto" panose="02000000000000000000" pitchFamily="2" charset="0"/>
+              </a:rPr>
+              <a:t>, </a:t>
+            </a:r>
+            <a:r>
+              <a:rPr lang="en-US" sz="2000" b="1" i="1">
+                <a:solidFill>
+                  <a:srgbClr val="FF0000"/>
                 </a:solidFill>
                 <a:effectLst/>
                 <a:latin typeface="Roboto" panose="02000000000000000000" pitchFamily="2" charset="0"/>
                 <a:ea typeface="Roboto" panose="02000000000000000000" pitchFamily="2" charset="0"/>
                 <a:cs typeface="Roboto" panose="02000000000000000000" pitchFamily="2" charset="0"/>
               </a:rPr>
-              <a:t>Competence</a:t>
-            </a:r>
-            <a:r>
-              <a:rPr lang="en-US" sz="2400" i="1" dirty="0">
-                <a:latin typeface="Roboto" panose="02000000000000000000" pitchFamily="2" charset="0"/>
-                <a:ea typeface="Roboto" panose="02000000000000000000" pitchFamily="2" charset="0"/>
-                <a:cs typeface="Roboto" panose="02000000000000000000" pitchFamily="2" charset="0"/>
-              </a:rPr>
-              <a:t>, </a:t>
-            </a:r>
-            <a:r>
-              <a:rPr lang="en-US" sz="1800" b="1" i="1" dirty="0">
-                <a:solidFill>
-                  <a:srgbClr val="000000"/>
-                </a:solidFill>
-                <a:effectLst/>
-                <a:latin typeface="Roboto" panose="02000000000000000000" pitchFamily="2" charset="0"/>
-                <a:ea typeface="Roboto" panose="02000000000000000000" pitchFamily="2" charset="0"/>
-                <a:cs typeface="Roboto" panose="02000000000000000000" pitchFamily="2" charset="0"/>
-              </a:rPr>
               <a:t>importance</a:t>
             </a:r>
             <a:r>
-              <a:rPr lang="en-US" sz="2400" i="1" dirty="0">
+              <a:rPr lang="en-US" sz="2000" b="1" i="1">
+                <a:solidFill>
+                  <a:srgbClr val="FF0000"/>
+                </a:solidFill>
                 <a:latin typeface="Roboto" panose="02000000000000000000" pitchFamily="2" charset="0"/>
                 <a:ea typeface="Roboto" panose="02000000000000000000" pitchFamily="2" charset="0"/>
                 <a:cs typeface="Roboto" panose="02000000000000000000" pitchFamily="2" charset="0"/>
               </a:rPr>
               <a:t> </a:t>
             </a:r>
-            <a:endParaRPr lang="en-US" sz="1800" i="1" dirty="0">
+            <a:r>
+              <a:rPr lang="en-US" sz="2000" b="1" i="1" dirty="0">
+                <a:solidFill>
+                  <a:srgbClr val="FF0000"/>
+                </a:solidFill>
+                <a:latin typeface="Roboto" panose="02000000000000000000" pitchFamily="2" charset="0"/>
+                <a:ea typeface="Roboto" panose="02000000000000000000" pitchFamily="2" charset="0"/>
+                <a:cs typeface="Roboto" panose="02000000000000000000" pitchFamily="2" charset="0"/>
+              </a:rPr>
+              <a:t>dan </a:t>
+            </a:r>
+            <a:r>
+              <a:rPr lang="en-US" sz="2000" b="1" i="1" dirty="0" err="1">
+                <a:solidFill>
+                  <a:srgbClr val="FF0000"/>
+                </a:solidFill>
+                <a:latin typeface="Roboto" panose="02000000000000000000" pitchFamily="2" charset="0"/>
+                <a:ea typeface="Roboto" panose="02000000000000000000" pitchFamily="2" charset="0"/>
+                <a:cs typeface="Roboto" panose="02000000000000000000" pitchFamily="2" charset="0"/>
+              </a:rPr>
+              <a:t>usefullness</a:t>
+            </a:r>
+            <a:endParaRPr lang="en-US" sz="2000" b="1" i="1" dirty="0">
               <a:solidFill>
-                <a:schemeClr val="tx1"/>
+                <a:srgbClr val="FF0000"/>
               </a:solidFill>
               <a:latin typeface="Roboto" panose="02000000000000000000" pitchFamily="2" charset="0"/>
               <a:ea typeface="Roboto" panose="02000000000000000000" pitchFamily="2" charset="0"/>
@@ -22662,13 +22678,13 @@
   <p:clrMapOvr>
     <a:masterClrMapping/>
   </p:clrMapOvr>
-  <mc:AlternateContent xmlns:mc="http://schemas.openxmlformats.org/markup-compatibility/2006">
-    <mc:Choice xmlns:p159="http://schemas.microsoft.com/office/powerpoint/2015/09/main" Requires="p159">
+  <mc:AlternateContent xmlns:mc="http://schemas.openxmlformats.org/markup-compatibility/2006" xmlns:p159="http://schemas.microsoft.com/office/powerpoint/2015/09/main">
+    <mc:Choice Requires="p159">
       <p:transition>
         <p159:morph option="byObject"/>
       </p:transition>
     </mc:Choice>
-    <mc:Fallback>
+    <mc:Fallback xmlns="">
       <p:transition>
         <p:fade/>
       </p:transition>
@@ -24039,13 +24055,13 @@
   <p:clrMapOvr>
     <a:masterClrMapping/>
   </p:clrMapOvr>
-  <mc:AlternateContent xmlns:mc="http://schemas.openxmlformats.org/markup-compatibility/2006">
-    <mc:Choice xmlns:p159="http://schemas.microsoft.com/office/powerpoint/2015/09/main" Requires="p159">
+  <mc:AlternateContent xmlns:mc="http://schemas.openxmlformats.org/markup-compatibility/2006" xmlns:p159="http://schemas.microsoft.com/office/powerpoint/2015/09/main">
+    <mc:Choice Requires="p159">
       <p:transition>
         <p159:morph option="byObject"/>
       </p:transition>
     </mc:Choice>
-    <mc:Fallback>
+    <mc:Fallback xmlns="">
       <p:transition>
         <p:fade/>
       </p:transition>
@@ -25481,13 +25497,13 @@
   <p:clrMapOvr>
     <a:masterClrMapping/>
   </p:clrMapOvr>
-  <mc:AlternateContent xmlns:mc="http://schemas.openxmlformats.org/markup-compatibility/2006">
-    <mc:Choice xmlns:p159="http://schemas.microsoft.com/office/powerpoint/2015/09/main" Requires="p159">
+  <mc:AlternateContent xmlns:mc="http://schemas.openxmlformats.org/markup-compatibility/2006" xmlns:p159="http://schemas.microsoft.com/office/powerpoint/2015/09/main">
+    <mc:Choice Requires="p159">
       <p:transition>
         <p159:morph option="byObject"/>
       </p:transition>
     </mc:Choice>
-    <mc:Fallback>
+    <mc:Fallback xmlns="">
       <p:transition>
         <p:fade/>
       </p:transition>
@@ -26095,13 +26111,13 @@
   <p:clrMapOvr>
     <a:masterClrMapping/>
   </p:clrMapOvr>
-  <mc:AlternateContent xmlns:mc="http://schemas.openxmlformats.org/markup-compatibility/2006">
-    <mc:Choice xmlns:p159="http://schemas.microsoft.com/office/powerpoint/2015/09/main" Requires="p159">
+  <mc:AlternateContent xmlns:mc="http://schemas.openxmlformats.org/markup-compatibility/2006" xmlns:p159="http://schemas.microsoft.com/office/powerpoint/2015/09/main">
+    <mc:Choice Requires="p159">
       <p:transition>
         <p159:morph option="byObject"/>
       </p:transition>
     </mc:Choice>
-    <mc:Fallback>
+    <mc:Fallback xmlns="">
       <p:transition>
         <p:fade/>
       </p:transition>
@@ -27109,13 +27125,13 @@
   <p:clrMapOvr>
     <a:masterClrMapping/>
   </p:clrMapOvr>
-  <mc:AlternateContent xmlns:mc="http://schemas.openxmlformats.org/markup-compatibility/2006">
-    <mc:Choice xmlns:p159="http://schemas.microsoft.com/office/powerpoint/2015/09/main" Requires="p159">
+  <mc:AlternateContent xmlns:mc="http://schemas.openxmlformats.org/markup-compatibility/2006" xmlns:p159="http://schemas.microsoft.com/office/powerpoint/2015/09/main">
+    <mc:Choice Requires="p159">
       <p:transition>
         <p159:morph option="byObject"/>
       </p:transition>
     </mc:Choice>
-    <mc:Fallback>
+    <mc:Fallback xmlns="">
       <p:transition>
         <p:fade/>
       </p:transition>
